--- a/Exploratory_Data_Analysis.pptx
+++ b/Exploratory_Data_Analysis.pptx
@@ -9,10 +9,11 @@
     <p:sldId id="258" r:id="rId6"/>
     <p:sldId id="259" r:id="rId7"/>
     <p:sldId id="260" r:id="rId8"/>
-    <p:sldId id="261" r:id="rId9"/>
-    <p:sldId id="262" r:id="rId10"/>
-    <p:sldId id="263" r:id="rId11"/>
-    <p:sldId id="264" r:id="rId12"/>
+    <p:sldId id="266" r:id="rId9"/>
+    <p:sldId id="261" r:id="rId10"/>
+    <p:sldId id="262" r:id="rId11"/>
+    <p:sldId id="263" r:id="rId12"/>
+    <p:sldId id="264" r:id="rId13"/>
   </p:sldIdLst>
   <p:sldSz cx="12192000" cy="6858000"/>
   <p:notesSz cx="6858000" cy="9144000"/>
@@ -363,7 +364,7 @@
           <a:p>
             <a:fld id="{9184DA70-C731-4C70-880D-CCD4705E623C}" type="datetime1">
               <a:rPr lang="en-US" smtClean="0"/>
-              <a:t>5/4/2024</a:t>
+              <a:t>5/6/2024</a:t>
             </a:fld>
             <a:endParaRPr lang="en-US" dirty="0"/>
           </a:p>
@@ -551,7 +552,7 @@
           <a:p>
             <a:fld id="{B612A279-0833-481D-8C56-F67FD0AC6C50}" type="datetime1">
               <a:rPr lang="en-US" smtClean="0"/>
-              <a:t>5/4/2024</a:t>
+              <a:t>5/6/2024</a:t>
             </a:fld>
             <a:endParaRPr lang="en-US" dirty="0"/>
           </a:p>
@@ -793,7 +794,7 @@
           <a:p>
             <a:fld id="{6587DA83-5663-4C9C-B9AA-0B40A3DAFF81}" type="datetime1">
               <a:rPr lang="en-US" smtClean="0"/>
-              <a:t>5/4/2024</a:t>
+              <a:t>5/6/2024</a:t>
             </a:fld>
             <a:endParaRPr lang="en-US" dirty="0"/>
           </a:p>
@@ -981,7 +982,7 @@
           <a:p>
             <a:fld id="{4BE1D723-8F53-4F53-90B0-1982A396982E}" type="datetime1">
               <a:rPr lang="en-US" smtClean="0"/>
-              <a:t>5/4/2024</a:t>
+              <a:t>5/6/2024</a:t>
             </a:fld>
             <a:endParaRPr lang="en-US" dirty="0"/>
           </a:p>
@@ -1354,7 +1355,7 @@
           <a:p>
             <a:fld id="{97669AF7-7BEB-44E4-9852-375E34362B5B}" type="datetime1">
               <a:rPr lang="en-US" smtClean="0"/>
-              <a:t>5/4/2024</a:t>
+              <a:t>5/6/2024</a:t>
             </a:fld>
             <a:endParaRPr lang="en-US" dirty="0"/>
           </a:p>
@@ -1609,7 +1610,7 @@
           <a:p>
             <a:fld id="{BAAAC38D-0552-4C82-B593-E6124DFADBE2}" type="datetime1">
               <a:rPr lang="en-US" smtClean="0"/>
-              <a:t>5/4/2024</a:t>
+              <a:t>5/6/2024</a:t>
             </a:fld>
             <a:endParaRPr lang="en-US" dirty="0"/>
           </a:p>
@@ -2006,7 +2007,7 @@
           <a:p>
             <a:fld id="{D9DF0F1C-5577-4ACB-BB62-DF8F3C494C7E}" type="datetime1">
               <a:rPr lang="en-US" smtClean="0"/>
-              <a:t>5/4/2024</a:t>
+              <a:t>5/6/2024</a:t>
             </a:fld>
             <a:endParaRPr lang="en-US" dirty="0"/>
           </a:p>
@@ -2142,7 +2143,7 @@
           <a:p>
             <a:fld id="{1775B394-D9F9-4F0C-B15D-605F45CB9E9F}" type="datetime1">
               <a:rPr lang="en-US" smtClean="0"/>
-              <a:t>5/4/2024</a:t>
+              <a:t>5/6/2024</a:t>
             </a:fld>
             <a:endParaRPr lang="en-US" dirty="0"/>
           </a:p>
@@ -2299,7 +2300,7 @@
           <a:p>
             <a:fld id="{39667345-2558-425A-8533-9BFDBCE15005}" type="datetime1">
               <a:rPr lang="en-US" smtClean="0"/>
-              <a:t>5/4/2024</a:t>
+              <a:t>5/6/2024</a:t>
             </a:fld>
             <a:endParaRPr lang="en-US" dirty="0"/>
           </a:p>
@@ -2628,7 +2629,7 @@
           <a:p>
             <a:fld id="{92BEA474-078D-4E9B-9B14-09A87B19DC46}" type="datetime1">
               <a:rPr lang="en-US" smtClean="0"/>
-              <a:t>5/4/2024</a:t>
+              <a:t>5/6/2024</a:t>
             </a:fld>
             <a:endParaRPr lang="en-US" dirty="0"/>
           </a:p>
@@ -2978,7 +2979,7 @@
           <a:p>
             <a:fld id="{4907D986-8816-4272-A432-0437A28A9828}" type="datetime1">
               <a:rPr lang="en-US" smtClean="0"/>
-              <a:t>5/4/2024</a:t>
+              <a:t>5/6/2024</a:t>
             </a:fld>
             <a:endParaRPr lang="en-US" dirty="0"/>
           </a:p>
@@ -3239,7 +3240,7 @@
           <a:p>
             <a:fld id="{62D6E202-B606-4609-B914-27C9371A1F6D}" type="datetime1">
               <a:rPr lang="en-US" smtClean="0"/>
-              <a:t>5/4/2024</a:t>
+              <a:t>5/6/2024</a:t>
             </a:fld>
             <a:endParaRPr lang="en-US" dirty="0"/>
           </a:p>
@@ -4355,6 +4356,166 @@
           </a:p>
         </p:txBody>
       </p:sp>
+      <p:pic>
+        <p:nvPicPr>
+          <p:cNvPr id="5" name="Picture 4">
+            <a:extLst>
+              <a:ext uri="{FF2B5EF4-FFF2-40B4-BE49-F238E27FC236}">
+                <a16:creationId xmlns:a16="http://schemas.microsoft.com/office/drawing/2014/main" id="{2A432316-8211-EA2E-2DE8-15B913AC9FBB}"/>
+              </a:ext>
+            </a:extLst>
+          </p:cNvPr>
+          <p:cNvPicPr>
+            <a:picLocks noChangeAspect="1"/>
+          </p:cNvPicPr>
+          <p:nvPr/>
+        </p:nvPicPr>
+        <p:blipFill>
+          <a:blip r:embed="rId2"/>
+          <a:stretch>
+            <a:fillRect/>
+          </a:stretch>
+        </p:blipFill>
+        <p:spPr>
+          <a:xfrm>
+            <a:off x="7888637" y="3771253"/>
+            <a:ext cx="2526009" cy="2332625"/>
+          </a:xfrm>
+          <a:prstGeom prst="rect">
+            <a:avLst/>
+          </a:prstGeom>
+        </p:spPr>
+      </p:pic>
+      <p:sp>
+        <p:nvSpPr>
+          <p:cNvPr id="6" name="TextBox 5">
+            <a:extLst>
+              <a:ext uri="{FF2B5EF4-FFF2-40B4-BE49-F238E27FC236}">
+                <a16:creationId xmlns:a16="http://schemas.microsoft.com/office/drawing/2014/main" id="{2B11CD6F-80AD-8A47-9A8A-A594D0238B55}"/>
+              </a:ext>
+            </a:extLst>
+          </p:cNvPr>
+          <p:cNvSpPr txBox="1"/>
+          <p:nvPr/>
+        </p:nvSpPr>
+        <p:spPr>
+          <a:xfrm>
+            <a:off x="1021102" y="4118883"/>
+            <a:ext cx="6417270" cy="1200329"/>
+          </a:xfrm>
+          <a:prstGeom prst="rect">
+            <a:avLst/>
+          </a:prstGeom>
+          <a:noFill/>
+        </p:spPr>
+        <p:txBody>
+          <a:bodyPr wrap="none" rtlCol="0">
+            <a:spAutoFit/>
+          </a:bodyPr>
+          <a:lstStyle/>
+          <a:p>
+            <a:r>
+              <a:rPr lang="en-US" dirty="0"/>
+              <a:t>Defaulter tends to accept more interest rate on the other </a:t>
+            </a:r>
+          </a:p>
+          <a:p>
+            <a:r>
+              <a:rPr lang="en-US" dirty="0"/>
+              <a:t>Hand. The people who genuinely wanted to fully pay will accept</a:t>
+            </a:r>
+          </a:p>
+          <a:p>
+            <a:r>
+              <a:rPr lang="en-US" dirty="0"/>
+              <a:t>Less interest rate</a:t>
+            </a:r>
+            <a:r>
+              <a:rPr lang="en-IN" dirty="0"/>
+              <a:t>.</a:t>
+            </a:r>
+          </a:p>
+          <a:p>
+            <a:r>
+              <a:rPr lang="en-IN" dirty="0"/>
+              <a:t>This can be proven by first second and third quartile comparison</a:t>
+            </a:r>
+            <a:endParaRPr lang="en-US" dirty="0"/>
+          </a:p>
+        </p:txBody>
+      </p:sp>
+      <p:pic>
+        <p:nvPicPr>
+          <p:cNvPr id="7" name="Picture 6">
+            <a:extLst>
+              <a:ext uri="{FF2B5EF4-FFF2-40B4-BE49-F238E27FC236}">
+                <a16:creationId xmlns:a16="http://schemas.microsoft.com/office/drawing/2014/main" id="{B0B6663F-74E9-D333-C931-1359835C9402}"/>
+              </a:ext>
+            </a:extLst>
+          </p:cNvPr>
+          <p:cNvPicPr>
+            <a:picLocks noChangeAspect="1"/>
+          </p:cNvPicPr>
+          <p:nvPr/>
+        </p:nvPicPr>
+        <p:blipFill>
+          <a:blip r:embed="rId3"/>
+          <a:stretch>
+            <a:fillRect/>
+          </a:stretch>
+        </p:blipFill>
+        <p:spPr>
+          <a:xfrm>
+            <a:off x="8053952" y="1926439"/>
+            <a:ext cx="2456244" cy="1502561"/>
+          </a:xfrm>
+          <a:prstGeom prst="rect">
+            <a:avLst/>
+          </a:prstGeom>
+        </p:spPr>
+      </p:pic>
+      <p:sp>
+        <p:nvSpPr>
+          <p:cNvPr id="8" name="TextBox 7">
+            <a:extLst>
+              <a:ext uri="{FF2B5EF4-FFF2-40B4-BE49-F238E27FC236}">
+                <a16:creationId xmlns:a16="http://schemas.microsoft.com/office/drawing/2014/main" id="{61F389B8-9B6E-91C0-33C8-F4C861155840}"/>
+              </a:ext>
+            </a:extLst>
+          </p:cNvPr>
+          <p:cNvSpPr txBox="1"/>
+          <p:nvPr/>
+        </p:nvSpPr>
+        <p:spPr>
+          <a:xfrm>
+            <a:off x="989890" y="2367031"/>
+            <a:ext cx="5527729" cy="646331"/>
+          </a:xfrm>
+          <a:prstGeom prst="rect">
+            <a:avLst/>
+          </a:prstGeom>
+          <a:noFill/>
+        </p:spPr>
+        <p:txBody>
+          <a:bodyPr wrap="square" rtlCol="0">
+            <a:spAutoFit/>
+          </a:bodyPr>
+          <a:lstStyle/>
+          <a:p>
+            <a:r>
+              <a:rPr lang="en-US" dirty="0"/>
+              <a:t>Not verified people are more in number for whom loan</a:t>
+            </a:r>
+          </a:p>
+          <a:p>
+            <a:r>
+              <a:rPr lang="en-US" dirty="0"/>
+              <a:t>Is approved this is critical issue</a:t>
+            </a:r>
+            <a:endParaRPr lang="en-IN" dirty="0"/>
+          </a:p>
+        </p:txBody>
+      </p:sp>
     </p:spTree>
     <p:extLst>
       <p:ext uri="{BB962C8B-B14F-4D97-AF65-F5344CB8AC3E}">
@@ -4385,38 +4546,10 @@
           <a:chExt cx="0" cy="0"/>
         </a:xfrm>
       </p:grpSpPr>
-      <p:sp>
-        <p:nvSpPr>
-          <p:cNvPr id="2" name="Title 1">
-            <a:extLst>
-              <a:ext uri="{FF2B5EF4-FFF2-40B4-BE49-F238E27FC236}">
-                <a16:creationId xmlns:a16="http://schemas.microsoft.com/office/drawing/2014/main" id="{E14C6BB4-2254-2293-7BA2-6323670BB971}"/>
-              </a:ext>
-            </a:extLst>
-          </p:cNvPr>
-          <p:cNvSpPr>
-            <a:spLocks noGrp="1"/>
-          </p:cNvSpPr>
-          <p:nvPr>
-            <p:ph type="title"/>
-          </p:nvPr>
-        </p:nvSpPr>
-        <p:spPr/>
-        <p:txBody>
-          <a:bodyPr/>
-          <a:lstStyle/>
-          <a:p>
-            <a:r>
-              <a:rPr lang="en-IN" dirty="0"/>
-              <a:t>Bivariate Analysis</a:t>
-            </a:r>
-          </a:p>
-        </p:txBody>
-      </p:sp>
     </p:spTree>
     <p:extLst>
       <p:ext uri="{BB962C8B-B14F-4D97-AF65-F5344CB8AC3E}">
-        <p14:creationId xmlns:p14="http://schemas.microsoft.com/office/powerpoint/2010/main" val="513786864"/>
+        <p14:creationId xmlns:p14="http://schemas.microsoft.com/office/powerpoint/2010/main" val="1262719661"/>
       </p:ext>
     </p:extLst>
   </p:cSld>
@@ -4448,7 +4581,7 @@
           <p:cNvPr id="2" name="Title 1">
             <a:extLst>
               <a:ext uri="{FF2B5EF4-FFF2-40B4-BE49-F238E27FC236}">
-                <a16:creationId xmlns:a16="http://schemas.microsoft.com/office/drawing/2014/main" id="{2086D1C7-7A07-C976-983E-3A1B22664BFA}"/>
+                <a16:creationId xmlns:a16="http://schemas.microsoft.com/office/drawing/2014/main" id="{E14C6BB4-2254-2293-7BA2-6323670BB971}"/>
               </a:ext>
             </a:extLst>
           </p:cNvPr>
@@ -4466,7 +4599,7 @@
           <a:p>
             <a:r>
               <a:rPr lang="en-IN" dirty="0"/>
-              <a:t>Segmentation</a:t>
+              <a:t>Bivariate Analysis</a:t>
             </a:r>
           </a:p>
         </p:txBody>
@@ -4474,7 +4607,7 @@
     </p:spTree>
     <p:extLst>
       <p:ext uri="{BB962C8B-B14F-4D97-AF65-F5344CB8AC3E}">
-        <p14:creationId xmlns:p14="http://schemas.microsoft.com/office/powerpoint/2010/main" val="1303949435"/>
+        <p14:creationId xmlns:p14="http://schemas.microsoft.com/office/powerpoint/2010/main" val="513786864"/>
       </p:ext>
     </p:extLst>
   </p:cSld>
@@ -4506,6 +4639,64 @@
           <p:cNvPr id="2" name="Title 1">
             <a:extLst>
               <a:ext uri="{FF2B5EF4-FFF2-40B4-BE49-F238E27FC236}">
+                <a16:creationId xmlns:a16="http://schemas.microsoft.com/office/drawing/2014/main" id="{2086D1C7-7A07-C976-983E-3A1B22664BFA}"/>
+              </a:ext>
+            </a:extLst>
+          </p:cNvPr>
+          <p:cNvSpPr>
+            <a:spLocks noGrp="1"/>
+          </p:cNvSpPr>
+          <p:nvPr>
+            <p:ph type="title"/>
+          </p:nvPr>
+        </p:nvSpPr>
+        <p:spPr/>
+        <p:txBody>
+          <a:bodyPr/>
+          <a:lstStyle/>
+          <a:p>
+            <a:r>
+              <a:rPr lang="en-IN" dirty="0"/>
+              <a:t>Segmentation</a:t>
+            </a:r>
+          </a:p>
+        </p:txBody>
+      </p:sp>
+    </p:spTree>
+    <p:extLst>
+      <p:ext uri="{BB962C8B-B14F-4D97-AF65-F5344CB8AC3E}">
+        <p14:creationId xmlns:p14="http://schemas.microsoft.com/office/powerpoint/2010/main" val="1303949435"/>
+      </p:ext>
+    </p:extLst>
+  </p:cSld>
+  <p:clrMapOvr>
+    <a:masterClrMapping/>
+  </p:clrMapOvr>
+</p:sld>
+</file>
+
+<file path=ppt/slides/slide8.xml><?xml version="1.0" encoding="utf-8"?>
+<p:sld xmlns:a="http://schemas.openxmlformats.org/drawingml/2006/main" xmlns:r="http://schemas.openxmlformats.org/officeDocument/2006/relationships" xmlns:p="http://schemas.openxmlformats.org/presentationml/2006/main">
+  <p:cSld>
+    <p:spTree>
+      <p:nvGrpSpPr>
+        <p:cNvPr id="1" name=""/>
+        <p:cNvGrpSpPr/>
+        <p:nvPr/>
+      </p:nvGrpSpPr>
+      <p:grpSpPr>
+        <a:xfrm>
+          <a:off x="0" y="0"/>
+          <a:ext cx="0" cy="0"/>
+          <a:chOff x="0" y="0"/>
+          <a:chExt cx="0" cy="0"/>
+        </a:xfrm>
+      </p:grpSpPr>
+      <p:sp>
+        <p:nvSpPr>
+          <p:cNvPr id="2" name="Title 1">
+            <a:extLst>
+              <a:ext uri="{FF2B5EF4-FFF2-40B4-BE49-F238E27FC236}">
                 <a16:creationId xmlns:a16="http://schemas.microsoft.com/office/drawing/2014/main" id="{7E5F0917-B74A-3754-2609-0EFB0723358D}"/>
               </a:ext>
             </a:extLst>
@@ -4542,7 +4733,7 @@
 </p:sld>
 </file>
 
-<file path=ppt/slides/slide8.xml><?xml version="1.0" encoding="utf-8"?>
+<file path=ppt/slides/slide9.xml><?xml version="1.0" encoding="utf-8"?>
 <p:sld xmlns:a="http://schemas.openxmlformats.org/drawingml/2006/main" xmlns:r="http://schemas.openxmlformats.org/officeDocument/2006/relationships" xmlns:p="http://schemas.openxmlformats.org/presentationml/2006/main">
   <p:cSld>
     <p:spTree>
@@ -4884,35 +5075,6 @@
 </file>
 
 <file path=customXml/item1.xml><?xml version="1.0" encoding="utf-8"?>
-<p:properties xmlns:p="http://schemas.microsoft.com/office/2006/metadata/properties" xmlns:xsi="http://www.w3.org/2001/XMLSchema-instance" xmlns:pc="http://schemas.microsoft.com/office/infopath/2007/PartnerControls">
-  <documentManagement>
-    <_ip_UnifiedCompliancePolicyUIAction xmlns="http://schemas.microsoft.com/sharepoint/v3" xsi:nil="true"/>
-    <Image xmlns="71af3243-3dd4-4a8d-8c0d-dd76da1f02a5">
-      <Url xsi:nil="true"/>
-      <Description xsi:nil="true"/>
-    </Image>
-    <Status xmlns="71af3243-3dd4-4a8d-8c0d-dd76da1f02a5">Not started</Status>
-    <Background xmlns="71af3243-3dd4-4a8d-8c0d-dd76da1f02a5">false</Background>
-    <_ip_UnifiedCompliancePolicyProperties xmlns="http://schemas.microsoft.com/sharepoint/v3" xsi:nil="true"/>
-    <ImageTagsTaxHTField xmlns="71af3243-3dd4-4a8d-8c0d-dd76da1f02a5">
-      <Terms xmlns="http://schemas.microsoft.com/office/infopath/2007/PartnerControls"/>
-    </ImageTagsTaxHTField>
-    <TaxCatchAll xmlns="230e9df3-be65-4c73-a93b-d1236ebd677e" xsi:nil="true"/>
-    <MediaServiceKeyPoints xmlns="71af3243-3dd4-4a8d-8c0d-dd76da1f02a5" xsi:nil="true"/>
-  </documentManagement>
-</p:properties>
-</file>
-
-<file path=customXml/item2.xml><?xml version="1.0" encoding="utf-8"?>
-<?mso-contentType ?>
-<FormTemplates xmlns="http://schemas.microsoft.com/sharepoint/v3/contenttype/forms">
-  <Display>DocumentLibraryForm</Display>
-  <Edit>DocumentLibraryForm</Edit>
-  <New>DocumentLibraryForm</New>
-</FormTemplates>
-</file>
-
-<file path=customXml/item3.xml><?xml version="1.0" encoding="utf-8"?>
 <ct:contentTypeSchema xmlns:ct="http://schemas.microsoft.com/office/2006/metadata/contentType" xmlns:ma="http://schemas.microsoft.com/office/2006/metadata/properties/metaAttributes" ct:_="" ma:_="" ma:contentTypeName="Document" ma:contentTypeID="0x01010079F111ED35F8CC479449609E8A0923A6" ma:contentTypeVersion="27" ma:contentTypeDescription="Create a new document." ma:contentTypeScope="" ma:versionID="c6f9a84f66a9c8b9a21755b9ffafb945">
   <xsd:schema xmlns:xsd="http://www.w3.org/2001/XMLSchema" xmlns:xs="http://www.w3.org/2001/XMLSchema" xmlns:p="http://schemas.microsoft.com/office/2006/metadata/properties" xmlns:ns1="http://schemas.microsoft.com/sharepoint/v3" xmlns:ns2="71af3243-3dd4-4a8d-8c0d-dd76da1f02a5" xmlns:ns3="16c05727-aa75-4e4a-9b5f-8a80a1165891" xmlns:ns4="230e9df3-be65-4c73-a93b-d1236ebd677e" targetNamespace="http://schemas.microsoft.com/office/2006/metadata/properties" ma:root="true" ma:fieldsID="27df39e3e7036dff54f89ddd5805ce72" ns1:_="" ns2:_="" ns3:_="" ns4:_="">
     <xsd:import namespace="http://schemas.microsoft.com/sharepoint/v3"/>
@@ -5218,27 +5380,36 @@
 </ct:contentTypeSchema>
 </file>
 
-<file path=customXml/itemProps1.xml><?xml version="1.0" encoding="utf-8"?>
-<ds:datastoreItem xmlns:ds="http://schemas.openxmlformats.org/officeDocument/2006/customXml" ds:itemID="{6F4F4D41-822D-40F2-A7AC-E4E6CB36CA7A}">
-  <ds:schemaRefs>
-    <ds:schemaRef ds:uri="http://schemas.microsoft.com/office/2006/metadata/properties"/>
-    <ds:schemaRef ds:uri="http://schemas.microsoft.com/office/infopath/2007/PartnerControls"/>
-    <ds:schemaRef ds:uri="http://schemas.microsoft.com/sharepoint/v3"/>
-    <ds:schemaRef ds:uri="71af3243-3dd4-4a8d-8c0d-dd76da1f02a5"/>
-    <ds:schemaRef ds:uri="230e9df3-be65-4c73-a93b-d1236ebd677e"/>
-  </ds:schemaRefs>
-</ds:datastoreItem>
+<file path=customXml/item2.xml><?xml version="1.0" encoding="utf-8"?>
+<?mso-contentType ?>
+<FormTemplates xmlns="http://schemas.microsoft.com/sharepoint/v3/contenttype/forms">
+  <Display>DocumentLibraryForm</Display>
+  <Edit>DocumentLibraryForm</Edit>
+  <New>DocumentLibraryForm</New>
+</FormTemplates>
 </file>
 
-<file path=customXml/itemProps2.xml><?xml version="1.0" encoding="utf-8"?>
-<ds:datastoreItem xmlns:ds="http://schemas.openxmlformats.org/officeDocument/2006/customXml" ds:itemID="{19DAD249-BF80-48EF-9AFB-36A11BCDC2CE}">
-  <ds:schemaRefs>
-    <ds:schemaRef ds:uri="http://schemas.microsoft.com/sharepoint/v3/contenttype/forms"/>
-  </ds:schemaRefs>
-</ds:datastoreItem>
+<file path=customXml/item3.xml><?xml version="1.0" encoding="utf-8"?>
+<p:properties xmlns:p="http://schemas.microsoft.com/office/2006/metadata/properties" xmlns:xsi="http://www.w3.org/2001/XMLSchema-instance" xmlns:pc="http://schemas.microsoft.com/office/infopath/2007/PartnerControls">
+  <documentManagement>
+    <_ip_UnifiedCompliancePolicyUIAction xmlns="http://schemas.microsoft.com/sharepoint/v3" xsi:nil="true"/>
+    <Image xmlns="71af3243-3dd4-4a8d-8c0d-dd76da1f02a5">
+      <Url xsi:nil="true"/>
+      <Description xsi:nil="true"/>
+    </Image>
+    <Status xmlns="71af3243-3dd4-4a8d-8c0d-dd76da1f02a5">Not started</Status>
+    <Background xmlns="71af3243-3dd4-4a8d-8c0d-dd76da1f02a5">false</Background>
+    <_ip_UnifiedCompliancePolicyProperties xmlns="http://schemas.microsoft.com/sharepoint/v3" xsi:nil="true"/>
+    <ImageTagsTaxHTField xmlns="71af3243-3dd4-4a8d-8c0d-dd76da1f02a5">
+      <Terms xmlns="http://schemas.microsoft.com/office/infopath/2007/PartnerControls"/>
+    </ImageTagsTaxHTField>
+    <TaxCatchAll xmlns="230e9df3-be65-4c73-a93b-d1236ebd677e" xsi:nil="true"/>
+    <MediaServiceKeyPoints xmlns="71af3243-3dd4-4a8d-8c0d-dd76da1f02a5" xsi:nil="true"/>
+  </documentManagement>
+</p:properties>
 </file>
 
-<file path=customXml/itemProps3.xml><?xml version="1.0" encoding="utf-8"?>
+<file path=customXml/itemProps1.xml><?xml version="1.0" encoding="utf-8"?>
 <ds:datastoreItem xmlns:ds="http://schemas.openxmlformats.org/officeDocument/2006/customXml" ds:itemID="{C5A59D56-2157-4202-9D02-F44E447A241D}">
   <ds:schemaRefs>
     <ds:schemaRef ds:uri="http://schemas.microsoft.com/office/2006/metadata/contentType"/>
@@ -5257,4 +5428,24 @@
     <ds:schemaRef ds:uri="http://schemas.microsoft.com/internal/obd"/>
   </ds:schemaRefs>
 </ds:datastoreItem>
+</file>
+
+<file path=customXml/itemProps2.xml><?xml version="1.0" encoding="utf-8"?>
+<ds:datastoreItem xmlns:ds="http://schemas.openxmlformats.org/officeDocument/2006/customXml" ds:itemID="{19DAD249-BF80-48EF-9AFB-36A11BCDC2CE}">
+  <ds:schemaRefs>
+    <ds:schemaRef ds:uri="http://schemas.microsoft.com/sharepoint/v3/contenttype/forms"/>
+  </ds:schemaRefs>
+</ds:datastoreItem>
+</file>
+
+<file path=customXml/itemProps3.xml><?xml version="1.0" encoding="utf-8"?>
+<ds:datastoreItem xmlns:ds="http://schemas.openxmlformats.org/officeDocument/2006/customXml" ds:itemID="{6F4F4D41-822D-40F2-A7AC-E4E6CB36CA7A}">
+  <ds:schemaRefs>
+    <ds:schemaRef ds:uri="http://schemas.microsoft.com/office/2006/metadata/properties"/>
+    <ds:schemaRef ds:uri="http://schemas.microsoft.com/office/infopath/2007/PartnerControls"/>
+    <ds:schemaRef ds:uri="http://schemas.microsoft.com/sharepoint/v3"/>
+    <ds:schemaRef ds:uri="71af3243-3dd4-4a8d-8c0d-dd76da1f02a5"/>
+    <ds:schemaRef ds:uri="230e9df3-be65-4c73-a93b-d1236ebd677e"/>
+  </ds:schemaRefs>
+</ds:datastoreItem>
 </file>